--- a/presentation/Predicting Housing Market Trends_ML_v4.pptx
+++ b/presentation/Predicting Housing Market Trends_ML_v4.pptx
@@ -912,7 +912,7 @@
               <a:buSzPts val="1100"/>
               <a:buNone/>
             </a:pPr>
-            <a:endParaRPr/>
+            <a:endParaRPr dirty="0"/>
           </a:p>
         </p:txBody>
       </p:sp>
@@ -17362,14 +17362,20 @@
       </p:grpSpPr>
       <p:sp>
         <p:nvSpPr>
-          <p:cNvPr id="84" name="Google Shape;84;p1"/>
+          <p:cNvPr id="2" name="Google Shape;85;p1">
+            <a:extLst>
+              <a:ext uri="{FF2B5EF4-FFF2-40B4-BE49-F238E27FC236}">
+                <a16:creationId xmlns:a16="http://schemas.microsoft.com/office/drawing/2014/main" id="{BC896E2F-F063-1CDF-ADCD-6F800A4D255B}"/>
+              </a:ext>
+            </a:extLst>
+          </p:cNvPr>
           <p:cNvSpPr/>
           <p:nvPr/>
         </p:nvSpPr>
         <p:spPr>
           <a:xfrm>
-            <a:off x="4032355" y="-2120349"/>
-            <a:ext cx="12191695" cy="4366389"/>
+            <a:off x="305" y="0"/>
+            <a:ext cx="12191695" cy="6858000"/>
           </a:xfrm>
           <a:prstGeom prst="rect">
             <a:avLst/>
@@ -17388,20 +17394,12 @@
           <a:lstStyle/>
           <a:p>
             <a:pPr marL="0" marR="0" lvl="0" indent="0" algn="ctr" rtl="0">
-              <a:lnSpc>
-                <a:spcPct val="100000"/>
-              </a:lnSpc>
-              <a:spcBef>
-                <a:spcPts val="0"/>
-              </a:spcBef>
-              <a:spcAft>
-                <a:spcPts val="0"/>
-              </a:spcAft>
-              <a:buClr>
-                <a:srgbClr val="000000"/>
-              </a:buClr>
-              <a:buSzPts val="1800"/>
-              <a:buFont typeface="Arial"/>
+              <a:spcBef>
+                <a:spcPts val="0"/>
+              </a:spcBef>
+              <a:spcAft>
+                <a:spcPts val="0"/>
+              </a:spcAft>
               <a:buNone/>
             </a:pPr>
             <a:endParaRPr sz="1800" b="0" i="0" u="none" strike="noStrike" cap="none">
@@ -17418,14 +17416,20 @@
       </p:sp>
       <p:sp>
         <p:nvSpPr>
-          <p:cNvPr id="85" name="Google Shape;85;p1"/>
+          <p:cNvPr id="3" name="Google Shape;84;p1">
+            <a:extLst>
+              <a:ext uri="{FF2B5EF4-FFF2-40B4-BE49-F238E27FC236}">
+                <a16:creationId xmlns:a16="http://schemas.microsoft.com/office/drawing/2014/main" id="{B4B281EC-916C-3568-0095-0849C658A6D5}"/>
+              </a:ext>
+            </a:extLst>
+          </p:cNvPr>
           <p:cNvSpPr/>
           <p:nvPr/>
         </p:nvSpPr>
         <p:spPr>
           <a:xfrm>
-            <a:off x="3803" y="5546360"/>
-            <a:ext cx="12191695" cy="1768839"/>
+            <a:off x="0" y="-1"/>
+            <a:ext cx="12191695" cy="6852025"/>
           </a:xfrm>
           <a:prstGeom prst="rect">
             <a:avLst/>
@@ -17444,20 +17448,12 @@
           <a:lstStyle/>
           <a:p>
             <a:pPr marL="0" marR="0" lvl="0" indent="0" algn="ctr" rtl="0">
-              <a:lnSpc>
-                <a:spcPct val="100000"/>
-              </a:lnSpc>
-              <a:spcBef>
-                <a:spcPts val="0"/>
-              </a:spcBef>
-              <a:spcAft>
-                <a:spcPts val="0"/>
-              </a:spcAft>
-              <a:buClr>
-                <a:srgbClr val="000000"/>
-              </a:buClr>
-              <a:buSzPts val="1800"/>
-              <a:buFont typeface="Arial"/>
+              <a:spcBef>
+                <a:spcPts val="0"/>
+              </a:spcBef>
+              <a:spcAft>
+                <a:spcPts val="0"/>
+              </a:spcAft>
               <a:buNone/>
             </a:pPr>
             <a:endParaRPr sz="1800" b="0" i="0" u="none" strike="noStrike" cap="none">
@@ -17474,7 +17470,67 @@
       </p:sp>
       <p:sp>
         <p:nvSpPr>
-          <p:cNvPr id="86" name="Google Shape;86;p1"/>
+          <p:cNvPr id="4" name="Google Shape;85;p1">
+            <a:extLst>
+              <a:ext uri="{FF2B5EF4-FFF2-40B4-BE49-F238E27FC236}">
+                <a16:creationId xmlns:a16="http://schemas.microsoft.com/office/drawing/2014/main" id="{29A222E6-8C94-AD1C-A82D-F458AF4DB6DC}"/>
+              </a:ext>
+            </a:extLst>
+          </p:cNvPr>
+          <p:cNvSpPr/>
+          <p:nvPr/>
+        </p:nvSpPr>
+        <p:spPr>
+          <a:xfrm>
+            <a:off x="305" y="0"/>
+            <a:ext cx="12191695" cy="6858000"/>
+          </a:xfrm>
+          <a:prstGeom prst="rect">
+            <a:avLst/>
+          </a:prstGeom>
+          <a:solidFill>
+            <a:schemeClr val="lt1"/>
+          </a:solidFill>
+          <a:ln>
+            <a:noFill/>
+          </a:ln>
+        </p:spPr>
+        <p:txBody>
+          <a:bodyPr spcFirstLastPara="1" wrap="square" lIns="91425" tIns="45700" rIns="91425" bIns="45700" anchor="ctr" anchorCtr="0">
+            <a:noAutofit/>
+          </a:bodyPr>
+          <a:lstStyle/>
+          <a:p>
+            <a:pPr marL="0" marR="0" lvl="0" indent="0" algn="ctr" rtl="0">
+              <a:spcBef>
+                <a:spcPts val="0"/>
+              </a:spcBef>
+              <a:spcAft>
+                <a:spcPts val="0"/>
+              </a:spcAft>
+              <a:buNone/>
+            </a:pPr>
+            <a:endParaRPr sz="1800" b="0" i="0" u="none" strike="noStrike" cap="none">
+              <a:solidFill>
+                <a:schemeClr val="lt1"/>
+              </a:solidFill>
+              <a:latin typeface="Arial"/>
+              <a:ea typeface="Arial"/>
+              <a:cs typeface="Arial"/>
+              <a:sym typeface="Arial"/>
+            </a:endParaRPr>
+          </a:p>
+        </p:txBody>
+      </p:sp>
+      <p:sp>
+        <p:nvSpPr>
+          <p:cNvPr id="6" name="Google Shape;86;p1">
+            <a:extLst>
+              <a:ext uri="{FF2B5EF4-FFF2-40B4-BE49-F238E27FC236}">
+                <a16:creationId xmlns:a16="http://schemas.microsoft.com/office/drawing/2014/main" id="{8D789318-CA4C-8834-D287-D01DCC80AC34}"/>
+              </a:ext>
+            </a:extLst>
+          </p:cNvPr>
           <p:cNvSpPr txBox="1">
             <a:spLocks noGrp="1"/>
           </p:cNvSpPr>
@@ -17484,8 +17540,8 @@
         </p:nvSpPr>
         <p:spPr>
           <a:xfrm>
-            <a:off x="6390861" y="4976108"/>
-            <a:ext cx="6571941" cy="1881892"/>
+            <a:off x="6251430" y="4181451"/>
+            <a:ext cx="5600100" cy="1297200"/>
           </a:xfrm>
           <a:prstGeom prst="rect">
             <a:avLst/>
@@ -17497,7 +17553,7 @@
         </p:spPr>
         <p:txBody>
           <a:bodyPr spcFirstLastPara="1" wrap="square" lIns="91425" tIns="45700" rIns="91425" bIns="45700" anchor="t" anchorCtr="0">
-            <a:normAutofit/>
+            <a:normAutofit fontScale="90000"/>
           </a:bodyPr>
           <a:lstStyle/>
           <a:p>
@@ -17518,6 +17574,84 @@
               <a:buFont typeface="Times New Roman"/>
               <a:buNone/>
             </a:pPr>
+            <a:r>
+              <a:rPr lang="en-US" sz="2800" dirty="0">
+                <a:latin typeface="Times New Roman"/>
+                <a:ea typeface="Times New Roman"/>
+                <a:cs typeface="Times New Roman"/>
+                <a:sym typeface="Times New Roman"/>
+              </a:rPr>
+              <a:t>Amarnath Kommineni</a:t>
+            </a:r>
+            <a:br>
+              <a:rPr lang="en-US" sz="2800" dirty="0">
+                <a:latin typeface="Times New Roman"/>
+                <a:ea typeface="Times New Roman"/>
+                <a:cs typeface="Times New Roman"/>
+                <a:sym typeface="Times New Roman"/>
+              </a:rPr>
+            </a:br>
+            <a:r>
+              <a:rPr lang="en-US" sz="2800" dirty="0">
+                <a:latin typeface="Times New Roman"/>
+                <a:ea typeface="Times New Roman"/>
+                <a:cs typeface="Times New Roman"/>
+                <a:sym typeface="Times New Roman"/>
+              </a:rPr>
+              <a:t>Kavya </a:t>
+            </a:r>
+            <a:r>
+              <a:rPr lang="en-US" sz="2800" dirty="0" err="1">
+                <a:latin typeface="Times New Roman"/>
+                <a:ea typeface="Times New Roman"/>
+                <a:cs typeface="Times New Roman"/>
+                <a:sym typeface="Times New Roman"/>
+              </a:rPr>
+              <a:t>Gurram</a:t>
+            </a:r>
+            <a:br>
+              <a:rPr lang="en-US" sz="2800" dirty="0">
+                <a:latin typeface="Times New Roman"/>
+                <a:ea typeface="Times New Roman"/>
+                <a:cs typeface="Times New Roman"/>
+                <a:sym typeface="Times New Roman"/>
+              </a:rPr>
+            </a:br>
+            <a:r>
+              <a:rPr lang="en-US" sz="2800" dirty="0">
+                <a:latin typeface="Times New Roman"/>
+                <a:ea typeface="Times New Roman"/>
+                <a:cs typeface="Times New Roman"/>
+                <a:sym typeface="Times New Roman"/>
+              </a:rPr>
+              <a:t>Sandeep Borwal</a:t>
+            </a:r>
+            <a:br>
+              <a:rPr lang="en-US" sz="2800" dirty="0">
+                <a:latin typeface="Times New Roman"/>
+                <a:ea typeface="Times New Roman"/>
+                <a:cs typeface="Times New Roman"/>
+                <a:sym typeface="Times New Roman"/>
+              </a:rPr>
+            </a:br>
+            <a:r>
+              <a:rPr lang="en-US" sz="2800" dirty="0">
+                <a:latin typeface="Times New Roman"/>
+                <a:ea typeface="Times New Roman"/>
+                <a:cs typeface="Times New Roman"/>
+                <a:sym typeface="Times New Roman"/>
+              </a:rPr>
+              <a:t>Vikas Kumar Reddy </a:t>
+            </a:r>
+            <a:r>
+              <a:rPr lang="en-US" sz="2800" dirty="0" err="1">
+                <a:latin typeface="Times New Roman"/>
+                <a:ea typeface="Times New Roman"/>
+                <a:cs typeface="Times New Roman"/>
+                <a:sym typeface="Times New Roman"/>
+              </a:rPr>
+              <a:t>Buchammagari</a:t>
+            </a:r>
             <a:endParaRPr sz="2800" dirty="0">
               <a:latin typeface="Times New Roman"/>
               <a:ea typeface="Times New Roman"/>
@@ -17529,7 +17663,13 @@
       </p:sp>
       <p:sp>
         <p:nvSpPr>
-          <p:cNvPr id="87" name="Google Shape;87;p1"/>
+          <p:cNvPr id="8" name="Google Shape;87;p1">
+            <a:extLst>
+              <a:ext uri="{FF2B5EF4-FFF2-40B4-BE49-F238E27FC236}">
+                <a16:creationId xmlns:a16="http://schemas.microsoft.com/office/drawing/2014/main" id="{BBA2CD25-1AA7-4DD5-D4F5-17AF4B6B91A5}"/>
+              </a:ext>
+            </a:extLst>
+          </p:cNvPr>
           <p:cNvSpPr txBox="1">
             <a:spLocks noGrp="1"/>
           </p:cNvSpPr>
@@ -17539,8 +17679,8 @@
         </p:nvSpPr>
         <p:spPr>
           <a:xfrm>
-            <a:off x="771181" y="4152274"/>
-            <a:ext cx="10859462" cy="930910"/>
+            <a:off x="771181" y="543417"/>
+            <a:ext cx="10859462" cy="1484533"/>
           </a:xfrm>
           <a:prstGeom prst="rect">
             <a:avLst/>
@@ -17572,6 +17712,18 @@
               <a:buSzPts val="4000"/>
               <a:buNone/>
             </a:pPr>
+            <a:r>
+              <a:rPr lang="en-US" sz="4000" dirty="0">
+                <a:solidFill>
+                  <a:schemeClr val="dk2"/>
+                </a:solidFill>
+                <a:latin typeface="Times New Roman"/>
+                <a:ea typeface="Times New Roman"/>
+                <a:cs typeface="Times New Roman"/>
+                <a:sym typeface="Times New Roman"/>
+              </a:rPr>
+              <a:t>Predicting Housing Market Trends: A Data-Driven Approach to Price Forecasting</a:t>
+            </a:r>
             <a:endParaRPr sz="4000" dirty="0">
               <a:solidFill>
                 <a:schemeClr val="dk2"/>
@@ -17584,1333 +17736,60 @@
           </a:p>
         </p:txBody>
       </p:sp>
-      <p:grpSp>
-        <p:nvGrpSpPr>
-          <p:cNvPr id="89" name="Google Shape;89;p1"/>
-          <p:cNvGrpSpPr/>
-          <p:nvPr/>
-        </p:nvGrpSpPr>
-        <p:grpSpPr>
-          <a:xfrm>
-            <a:off x="-4253" y="-5977"/>
-            <a:ext cx="6238675" cy="6863979"/>
-            <a:chOff x="305" y="-5977"/>
-            <a:chExt cx="6238675" cy="6863979"/>
-          </a:xfrm>
-        </p:grpSpPr>
-        <p:sp>
-          <p:nvSpPr>
-            <p:cNvPr id="90" name="Google Shape;90;p1"/>
-            <p:cNvSpPr/>
-            <p:nvPr/>
-          </p:nvSpPr>
-          <p:spPr>
-            <a:xfrm flipH="1">
-              <a:off x="305" y="34854"/>
-              <a:ext cx="6028697" cy="6817170"/>
-            </a:xfrm>
-            <a:custGeom>
-              <a:avLst/>
-              <a:gdLst/>
-              <a:ahLst/>
-              <a:cxnLst/>
-              <a:rect l="l" t="t" r="r" b="b"/>
-              <a:pathLst>
-                <a:path w="6028697" h="6817170" extrusionOk="0">
-                  <a:moveTo>
-                    <a:pt x="6028697" y="6155323"/>
-                  </a:moveTo>
-                  <a:lnTo>
-                    <a:pt x="6028697" y="6817170"/>
-                  </a:lnTo>
-                  <a:lnTo>
-                    <a:pt x="5157862" y="6817170"/>
-                  </a:lnTo>
-                  <a:lnTo>
-                    <a:pt x="5347156" y="6687553"/>
-                  </a:lnTo>
-                  <a:cubicBezTo>
-                    <a:pt x="5394117" y="6653219"/>
-                    <a:pt x="5440793" y="6617608"/>
-                    <a:pt x="5487470" y="6581714"/>
-                  </a:cubicBezTo>
-                  <a:cubicBezTo>
-                    <a:pt x="5534147" y="6545820"/>
-                    <a:pt x="5580966" y="6509358"/>
-                    <a:pt x="5627642" y="6472328"/>
-                  </a:cubicBezTo>
-                  <a:lnTo>
-                    <a:pt x="5911392" y="6245328"/>
-                  </a:lnTo>
-                  <a:close/>
-                  <a:moveTo>
-                    <a:pt x="4481066" y="478"/>
-                  </a:moveTo>
-                  <a:cubicBezTo>
-                    <a:pt x="4544817" y="1422"/>
-                    <a:pt x="4608563" y="3769"/>
-                    <a:pt x="4672258" y="7519"/>
-                  </a:cubicBezTo>
-                  <a:cubicBezTo>
-                    <a:pt x="4927973" y="22364"/>
-                    <a:pt x="5181687" y="61751"/>
-                    <a:pt x="5429869" y="125134"/>
-                  </a:cubicBezTo>
-                  <a:cubicBezTo>
-                    <a:pt x="5617090" y="173104"/>
-                    <a:pt x="5799867" y="236595"/>
-                    <a:pt x="5976319" y="314893"/>
-                  </a:cubicBezTo>
-                  <a:lnTo>
-                    <a:pt x="6028697" y="339901"/>
-                  </a:lnTo>
-                  <a:lnTo>
-                    <a:pt x="6028697" y="732458"/>
-                  </a:lnTo>
-                  <a:lnTo>
-                    <a:pt x="5990985" y="712211"/>
-                  </a:lnTo>
-                  <a:cubicBezTo>
-                    <a:pt x="5783917" y="609342"/>
-                    <a:pt x="5566013" y="529876"/>
-                    <a:pt x="5341339" y="475281"/>
-                  </a:cubicBezTo>
-                  <a:cubicBezTo>
-                    <a:pt x="5115233" y="420503"/>
-                    <a:pt x="4884375" y="387624"/>
-                    <a:pt x="4651969" y="377104"/>
-                  </a:cubicBezTo>
-                  <a:cubicBezTo>
-                    <a:pt x="4418713" y="365171"/>
-                    <a:pt x="4184861" y="373670"/>
-                    <a:pt x="3953093" y="402498"/>
-                  </a:cubicBezTo>
-                  <a:cubicBezTo>
-                    <a:pt x="3721001" y="431832"/>
-                    <a:pt x="3491675" y="480040"/>
-                    <a:pt x="3267413" y="546643"/>
-                  </a:cubicBezTo>
-                  <a:cubicBezTo>
-                    <a:pt x="2591323" y="750761"/>
-                    <a:pt x="1967642" y="1099289"/>
-                    <a:pt x="1439498" y="1568141"/>
-                  </a:cubicBezTo>
-                  <a:cubicBezTo>
-                    <a:pt x="1265589" y="1725523"/>
-                    <a:pt x="1105393" y="1897434"/>
-                    <a:pt x="960671" y="2082013"/>
-                  </a:cubicBezTo>
-                  <a:cubicBezTo>
-                    <a:pt x="815775" y="2266294"/>
-                    <a:pt x="688923" y="2464081"/>
-                    <a:pt x="581866" y="2672638"/>
-                  </a:cubicBezTo>
-                  <a:cubicBezTo>
-                    <a:pt x="473765" y="2880669"/>
-                    <a:pt x="387610" y="3099397"/>
-                    <a:pt x="324789" y="3325262"/>
-                  </a:cubicBezTo>
-                  <a:cubicBezTo>
-                    <a:pt x="262714" y="3552403"/>
-                    <a:pt x="231223" y="3786822"/>
-                    <a:pt x="231151" y="4022292"/>
-                  </a:cubicBezTo>
-                  <a:cubicBezTo>
-                    <a:pt x="231413" y="4136912"/>
-                    <a:pt x="244645" y="4251136"/>
-                    <a:pt x="270592" y="4362792"/>
-                  </a:cubicBezTo>
-                  <a:cubicBezTo>
-                    <a:pt x="297885" y="4472943"/>
-                    <a:pt x="336983" y="4579833"/>
-                    <a:pt x="387213" y="4681585"/>
-                  </a:cubicBezTo>
-                  <a:cubicBezTo>
-                    <a:pt x="412042" y="4732517"/>
-                    <a:pt x="439423" y="4782457"/>
-                    <a:pt x="468507" y="4831546"/>
-                  </a:cubicBezTo>
-                  <a:cubicBezTo>
-                    <a:pt x="497591" y="4880636"/>
-                    <a:pt x="529230" y="4929015"/>
-                    <a:pt x="561862" y="4976826"/>
-                  </a:cubicBezTo>
-                  <a:cubicBezTo>
-                    <a:pt x="627975" y="5072166"/>
-                    <a:pt x="701466" y="5164668"/>
-                    <a:pt x="777511" y="5257597"/>
-                  </a:cubicBezTo>
-                  <a:cubicBezTo>
-                    <a:pt x="853556" y="5350524"/>
-                    <a:pt x="933574" y="5443594"/>
-                    <a:pt x="1010895" y="5540494"/>
-                  </a:cubicBezTo>
-                  <a:cubicBezTo>
-                    <a:pt x="1049957" y="5588732"/>
-                    <a:pt x="1088642" y="5637963"/>
-                    <a:pt x="1126948" y="5688186"/>
-                  </a:cubicBezTo>
-                  <a:lnTo>
-                    <a:pt x="1182706" y="5760543"/>
-                  </a:lnTo>
-                  <a:cubicBezTo>
-                    <a:pt x="1201007" y="5783669"/>
-                    <a:pt x="1218458" y="5807503"/>
-                    <a:pt x="1237327" y="5830060"/>
-                  </a:cubicBezTo>
-                  <a:cubicBezTo>
-                    <a:pt x="1383714" y="6009916"/>
-                    <a:pt x="1540413" y="6181116"/>
-                    <a:pt x="1706649" y="6342797"/>
-                  </a:cubicBezTo>
-                  <a:cubicBezTo>
-                    <a:pt x="1788084" y="6422531"/>
-                    <a:pt x="1871265" y="6499427"/>
-                    <a:pt x="1956207" y="6573484"/>
-                  </a:cubicBezTo>
-                  <a:cubicBezTo>
-                    <a:pt x="2041332" y="6647402"/>
-                    <a:pt x="2127733" y="6718907"/>
-                    <a:pt x="2217681" y="6786297"/>
-                  </a:cubicBezTo>
-                  <a:lnTo>
-                    <a:pt x="2260820" y="6817170"/>
-                  </a:lnTo>
-                  <a:lnTo>
-                    <a:pt x="1429497" y="6817170"/>
-                  </a:lnTo>
-                  <a:lnTo>
-                    <a:pt x="1327275" y="6713800"/>
-                  </a:lnTo>
-                  <a:cubicBezTo>
-                    <a:pt x="1239186" y="6618984"/>
-                    <a:pt x="1156797" y="6519019"/>
-                    <a:pt x="1080556" y="6414443"/>
-                  </a:cubicBezTo>
-                  <a:cubicBezTo>
-                    <a:pt x="1004653" y="6310734"/>
-                    <a:pt x="932439" y="6205177"/>
-                    <a:pt x="865189" y="6097496"/>
-                  </a:cubicBezTo>
-                  <a:cubicBezTo>
-                    <a:pt x="847881" y="6070823"/>
-                    <a:pt x="831565" y="6043725"/>
-                    <a:pt x="814823" y="6016911"/>
-                  </a:cubicBezTo>
-                  <a:lnTo>
-                    <a:pt x="766729" y="5938453"/>
-                  </a:lnTo>
-                  <a:cubicBezTo>
-                    <a:pt x="735941" y="5887947"/>
-                    <a:pt x="703878" y="5837581"/>
-                    <a:pt x="671672" y="5786648"/>
-                  </a:cubicBezTo>
-                  <a:lnTo>
-                    <a:pt x="474608" y="5474664"/>
-                  </a:lnTo>
-                  <a:cubicBezTo>
-                    <a:pt x="408778" y="5368968"/>
-                    <a:pt x="343516" y="5260008"/>
-                    <a:pt x="282652" y="5146508"/>
-                  </a:cubicBezTo>
-                  <a:cubicBezTo>
-                    <a:pt x="252290" y="5089759"/>
-                    <a:pt x="223065" y="5032015"/>
-                    <a:pt x="196108" y="4972712"/>
-                  </a:cubicBezTo>
-                  <a:cubicBezTo>
-                    <a:pt x="169152" y="4913408"/>
-                    <a:pt x="144607" y="4853111"/>
-                    <a:pt x="122474" y="4791821"/>
-                  </a:cubicBezTo>
-                  <a:cubicBezTo>
-                    <a:pt x="100342" y="4730532"/>
-                    <a:pt x="81757" y="4666830"/>
-                    <a:pt x="65724" y="4603129"/>
-                  </a:cubicBezTo>
-                  <a:cubicBezTo>
-                    <a:pt x="58205" y="4571064"/>
-                    <a:pt x="50828" y="4539143"/>
-                    <a:pt x="44727" y="4506937"/>
-                  </a:cubicBezTo>
-                  <a:lnTo>
-                    <a:pt x="35505" y="4458699"/>
-                  </a:lnTo>
-                  <a:lnTo>
-                    <a:pt x="27845" y="4410320"/>
-                  </a:lnTo>
-                  <a:cubicBezTo>
-                    <a:pt x="8635" y="4281881"/>
-                    <a:pt x="-661" y="4152150"/>
-                    <a:pt x="37" y="4022292"/>
-                  </a:cubicBezTo>
-                  <a:cubicBezTo>
-                    <a:pt x="712" y="3768592"/>
-                    <a:pt x="27094" y="3515615"/>
-                    <a:pt x="78777" y="3267236"/>
-                  </a:cubicBezTo>
-                  <a:cubicBezTo>
-                    <a:pt x="130048" y="3017876"/>
-                    <a:pt x="209439" y="2775142"/>
-                    <a:pt x="315424" y="2543673"/>
-                  </a:cubicBezTo>
-                  <a:cubicBezTo>
-                    <a:pt x="528236" y="2081161"/>
-                    <a:pt x="838234" y="1667312"/>
-                    <a:pt x="1202710" y="1314895"/>
-                  </a:cubicBezTo>
-                  <a:cubicBezTo>
-                    <a:pt x="1385514" y="1138814"/>
-                    <a:pt x="1582282" y="977831"/>
-                    <a:pt x="1791065" y="833514"/>
-                  </a:cubicBezTo>
-                  <a:cubicBezTo>
-                    <a:pt x="2420037" y="395614"/>
-                    <a:pt x="3147288" y="119557"/>
-                    <a:pt x="3908404" y="29794"/>
-                  </a:cubicBezTo>
-                  <a:cubicBezTo>
-                    <a:pt x="4098509" y="7429"/>
-                    <a:pt x="4289811" y="-2355"/>
-                    <a:pt x="4481066" y="478"/>
-                  </a:cubicBezTo>
-                  <a:close/>
-                </a:path>
-              </a:pathLst>
-            </a:custGeom>
-            <a:gradFill>
-              <a:gsLst>
-                <a:gs pos="0">
-                  <a:srgbClr val="FFFFFF">
-                    <a:alpha val="8235"/>
-                  </a:srgbClr>
-                </a:gs>
-                <a:gs pos="2000">
-                  <a:srgbClr val="FFFFFF">
-                    <a:alpha val="8235"/>
-                  </a:srgbClr>
-                </a:gs>
-                <a:gs pos="16000">
-                  <a:srgbClr val="4EA72E">
-                    <a:alpha val="8235"/>
-                  </a:srgbClr>
-                </a:gs>
-                <a:gs pos="85000">
-                  <a:srgbClr val="156082">
-                    <a:alpha val="8235"/>
-                  </a:srgbClr>
-                </a:gs>
-                <a:gs pos="100000">
-                  <a:srgbClr val="FFFFFF">
-                    <a:alpha val="8235"/>
-                  </a:srgbClr>
-                </a:gs>
-              </a:gsLst>
-              <a:lin ang="12000000" scaled="0"/>
-            </a:gradFill>
-            <a:ln>
-              <a:noFill/>
-            </a:ln>
-          </p:spPr>
-          <p:txBody>
-            <a:bodyPr spcFirstLastPara="1" wrap="square" lIns="91425" tIns="45700" rIns="91425" bIns="45700" anchor="ctr" anchorCtr="0">
-              <a:noAutofit/>
-            </a:bodyPr>
-            <a:lstStyle/>
-            <a:p>
-              <a:pPr marL="0" marR="0" lvl="0" indent="0" algn="ctr" rtl="0">
-                <a:lnSpc>
-                  <a:spcPct val="100000"/>
-                </a:lnSpc>
-                <a:spcBef>
-                  <a:spcPts val="0"/>
-                </a:spcBef>
-                <a:spcAft>
-                  <a:spcPts val="0"/>
-                </a:spcAft>
-                <a:buClr>
-                  <a:srgbClr val="000000"/>
-                </a:buClr>
-                <a:buSzPts val="1800"/>
-                <a:buFont typeface="Arial"/>
-                <a:buNone/>
-              </a:pPr>
-              <a:endParaRPr sz="1800" b="0" i="0" u="none" strike="noStrike" cap="none">
-                <a:solidFill>
-                  <a:schemeClr val="lt1"/>
-                </a:solidFill>
-                <a:latin typeface="Times New Roman"/>
-                <a:ea typeface="Times New Roman"/>
-                <a:cs typeface="Times New Roman"/>
-                <a:sym typeface="Times New Roman"/>
-              </a:endParaRPr>
-            </a:p>
-          </p:txBody>
-        </p:sp>
-        <p:sp>
-          <p:nvSpPr>
-            <p:cNvPr id="91" name="Google Shape;91;p1"/>
-            <p:cNvSpPr/>
-            <p:nvPr/>
-          </p:nvSpPr>
-          <p:spPr>
-            <a:xfrm flipH="1">
-              <a:off x="305" y="1"/>
-              <a:ext cx="6165116" cy="6858001"/>
-            </a:xfrm>
-            <a:custGeom>
-              <a:avLst/>
-              <a:gdLst/>
-              <a:ahLst/>
-              <a:cxnLst/>
-              <a:rect l="l" t="t" r="r" b="b"/>
-              <a:pathLst>
-                <a:path w="6264586" h="6858001" extrusionOk="0">
-                  <a:moveTo>
-                    <a:pt x="6264586" y="6646464"/>
-                  </a:moveTo>
-                  <a:lnTo>
-                    <a:pt x="6264586" y="6858001"/>
-                  </a:lnTo>
-                  <a:lnTo>
-                    <a:pt x="5997170" y="6858001"/>
-                  </a:lnTo>
-                  <a:lnTo>
-                    <a:pt x="6121512" y="6761029"/>
-                  </a:lnTo>
-                  <a:close/>
-                  <a:moveTo>
-                    <a:pt x="2693206" y="0"/>
-                  </a:moveTo>
-                  <a:lnTo>
-                    <a:pt x="5872285" y="0"/>
-                  </a:lnTo>
-                  <a:lnTo>
-                    <a:pt x="6024875" y="68385"/>
-                  </a:lnTo>
-                  <a:cubicBezTo>
-                    <a:pt x="6086250" y="97989"/>
-                    <a:pt x="6146793" y="129318"/>
-                    <a:pt x="6206432" y="162336"/>
-                  </a:cubicBezTo>
-                  <a:lnTo>
-                    <a:pt x="6264586" y="196704"/>
-                  </a:lnTo>
-                  <a:lnTo>
-                    <a:pt x="6264586" y="537242"/>
-                  </a:lnTo>
-                  <a:lnTo>
-                    <a:pt x="6230189" y="517260"/>
-                  </a:lnTo>
-                  <a:cubicBezTo>
-                    <a:pt x="6012226" y="399931"/>
-                    <a:pt x="5780573" y="310008"/>
-                    <a:pt x="5540536" y="249543"/>
-                  </a:cubicBezTo>
-                  <a:cubicBezTo>
-                    <a:pt x="5421375" y="219324"/>
-                    <a:pt x="5300641" y="195644"/>
-                    <a:pt x="5178896" y="178606"/>
-                  </a:cubicBezTo>
-                  <a:cubicBezTo>
-                    <a:pt x="5057977" y="161840"/>
-                    <a:pt x="4936276" y="151186"/>
-                    <a:pt x="4814279" y="146683"/>
-                  </a:cubicBezTo>
-                  <a:cubicBezTo>
-                    <a:pt x="4761501" y="144556"/>
-                    <a:pt x="4708015" y="143421"/>
-                    <a:pt x="4655095" y="143421"/>
-                  </a:cubicBezTo>
-                  <a:cubicBezTo>
-                    <a:pt x="4462968" y="143573"/>
-                    <a:pt x="4271111" y="157799"/>
-                    <a:pt x="4081069" y="185983"/>
-                  </a:cubicBezTo>
-                  <a:cubicBezTo>
-                    <a:pt x="3956361" y="205703"/>
-                    <a:pt x="3835058" y="229396"/>
-                    <a:pt x="3720566" y="256921"/>
-                  </a:cubicBezTo>
-                  <a:cubicBezTo>
-                    <a:pt x="3596708" y="286714"/>
-                    <a:pt x="3477677" y="320905"/>
-                    <a:pt x="3365879" y="357651"/>
-                  </a:cubicBezTo>
-                  <a:cubicBezTo>
-                    <a:pt x="3249257" y="395958"/>
-                    <a:pt x="3133487" y="438945"/>
-                    <a:pt x="3020555" y="486190"/>
-                  </a:cubicBezTo>
-                  <a:cubicBezTo>
-                    <a:pt x="2907623" y="533434"/>
-                    <a:pt x="2794832" y="585786"/>
-                    <a:pt x="2685163" y="641542"/>
-                  </a:cubicBezTo>
-                  <a:cubicBezTo>
-                    <a:pt x="2463995" y="754348"/>
-                    <a:pt x="2250998" y="882488"/>
-                    <a:pt x="2047720" y="1025030"/>
-                  </a:cubicBezTo>
-                  <a:cubicBezTo>
-                    <a:pt x="2006151" y="1054399"/>
-                    <a:pt x="1951528" y="1093415"/>
-                    <a:pt x="1897333" y="1134983"/>
-                  </a:cubicBezTo>
-                  <a:cubicBezTo>
-                    <a:pt x="1876761" y="1150164"/>
-                    <a:pt x="1855905" y="1166479"/>
-                    <a:pt x="1835758" y="1182227"/>
-                  </a:cubicBezTo>
-                  <a:lnTo>
-                    <a:pt x="1823273" y="1192016"/>
-                  </a:lnTo>
-                  <a:cubicBezTo>
-                    <a:pt x="1797027" y="1211879"/>
-                    <a:pt x="1772057" y="1232309"/>
-                    <a:pt x="1750918" y="1249760"/>
-                  </a:cubicBezTo>
-                  <a:cubicBezTo>
-                    <a:pt x="1645931" y="1335737"/>
-                    <a:pt x="1554422" y="1416605"/>
-                    <a:pt x="1469297" y="1496906"/>
-                  </a:cubicBezTo>
-                  <a:cubicBezTo>
-                    <a:pt x="1286595" y="1668957"/>
-                    <a:pt x="1118818" y="1856190"/>
-                    <a:pt x="967769" y="2056602"/>
-                  </a:cubicBezTo>
-                  <a:cubicBezTo>
-                    <a:pt x="890731" y="2159603"/>
-                    <a:pt x="818800" y="2264590"/>
-                    <a:pt x="754105" y="2368727"/>
-                  </a:cubicBezTo>
-                  <a:cubicBezTo>
-                    <a:pt x="681749" y="2488328"/>
-                    <a:pt x="622304" y="2596720"/>
-                    <a:pt x="572364" y="2701140"/>
-                  </a:cubicBezTo>
-                  <a:cubicBezTo>
-                    <a:pt x="557609" y="2730507"/>
-                    <a:pt x="543989" y="2760443"/>
-                    <a:pt x="532497" y="2786265"/>
-                  </a:cubicBezTo>
-                  <a:lnTo>
-                    <a:pt x="512918" y="2828827"/>
-                  </a:lnTo>
-                  <a:lnTo>
-                    <a:pt x="494475" y="2872240"/>
-                  </a:lnTo>
-                  <a:lnTo>
-                    <a:pt x="491637" y="2878908"/>
-                  </a:lnTo>
-                  <a:cubicBezTo>
-                    <a:pt x="480146" y="2906575"/>
-                    <a:pt x="469220" y="2932821"/>
-                    <a:pt x="459290" y="2959635"/>
-                  </a:cubicBezTo>
-                  <a:cubicBezTo>
-                    <a:pt x="455176" y="2970559"/>
-                    <a:pt x="451060" y="2981484"/>
-                    <a:pt x="446805" y="2992408"/>
-                  </a:cubicBezTo>
-                  <a:cubicBezTo>
-                    <a:pt x="439427" y="3012412"/>
-                    <a:pt x="432333" y="3030572"/>
-                    <a:pt x="426090" y="3049158"/>
-                  </a:cubicBezTo>
-                  <a:lnTo>
-                    <a:pt x="426090" y="3049867"/>
-                  </a:lnTo>
-                  <a:cubicBezTo>
-                    <a:pt x="383010" y="3169099"/>
-                    <a:pt x="346959" y="3290756"/>
-                    <a:pt x="318124" y="3414202"/>
-                  </a:cubicBezTo>
-                  <a:cubicBezTo>
-                    <a:pt x="260107" y="3661703"/>
-                    <a:pt x="230780" y="3915049"/>
-                    <a:pt x="230729" y="4169260"/>
-                  </a:cubicBezTo>
-                  <a:cubicBezTo>
-                    <a:pt x="231621" y="4295173"/>
-                    <a:pt x="244398" y="4420719"/>
-                    <a:pt x="268893" y="4544236"/>
-                  </a:cubicBezTo>
-                  <a:cubicBezTo>
-                    <a:pt x="293708" y="4666304"/>
-                    <a:pt x="330882" y="4785521"/>
-                    <a:pt x="379840" y="4900056"/>
-                  </a:cubicBezTo>
-                  <a:cubicBezTo>
-                    <a:pt x="387926" y="4919919"/>
-                    <a:pt x="397006" y="4939498"/>
-                    <a:pt x="406512" y="4960211"/>
-                  </a:cubicBezTo>
-                  <a:cubicBezTo>
-                    <a:pt x="410343" y="4968299"/>
-                    <a:pt x="414173" y="4976385"/>
-                    <a:pt x="417862" y="4984613"/>
-                  </a:cubicBezTo>
-                  <a:lnTo>
-                    <a:pt x="428077" y="5005043"/>
-                  </a:lnTo>
-                  <a:cubicBezTo>
-                    <a:pt x="438860" y="5026751"/>
-                    <a:pt x="449075" y="5047181"/>
-                    <a:pt x="460140" y="5067327"/>
-                  </a:cubicBezTo>
-                  <a:cubicBezTo>
-                    <a:pt x="485536" y="5116273"/>
-                    <a:pt x="514763" y="5165789"/>
-                    <a:pt x="555197" y="5229773"/>
-                  </a:cubicBezTo>
-                  <a:cubicBezTo>
-                    <a:pt x="586836" y="5280282"/>
-                    <a:pt x="620318" y="5329511"/>
-                    <a:pt x="660611" y="5387396"/>
-                  </a:cubicBezTo>
-                  <a:cubicBezTo>
-                    <a:pt x="698065" y="5440741"/>
-                    <a:pt x="737223" y="5493094"/>
-                    <a:pt x="774110" y="5542182"/>
-                  </a:cubicBezTo>
-                  <a:cubicBezTo>
-                    <a:pt x="821070" y="5604324"/>
-                    <a:pt x="870301" y="5667173"/>
-                    <a:pt x="917829" y="5727896"/>
-                  </a:cubicBezTo>
-                  <a:cubicBezTo>
-                    <a:pt x="949042" y="5767762"/>
-                    <a:pt x="979828" y="5807063"/>
-                    <a:pt x="1012885" y="5849767"/>
-                  </a:cubicBezTo>
-                  <a:cubicBezTo>
-                    <a:pt x="1045942" y="5892471"/>
-                    <a:pt x="1089497" y="5948796"/>
-                    <a:pt x="1133053" y="6006822"/>
-                  </a:cubicBezTo>
-                  <a:cubicBezTo>
-                    <a:pt x="1153624" y="6034345"/>
-                    <a:pt x="1175332" y="6063998"/>
-                    <a:pt x="1194343" y="6090245"/>
-                  </a:cubicBezTo>
-                  <a:cubicBezTo>
-                    <a:pt x="1213355" y="6116491"/>
-                    <a:pt x="1231372" y="6141178"/>
-                    <a:pt x="1249390" y="6165155"/>
-                  </a:cubicBezTo>
-                  <a:cubicBezTo>
-                    <a:pt x="1280461" y="6208000"/>
-                    <a:pt x="1313659" y="6250847"/>
-                    <a:pt x="1345724" y="6292132"/>
-                  </a:cubicBezTo>
-                  <a:lnTo>
-                    <a:pt x="1364310" y="6316251"/>
-                  </a:lnTo>
-                  <a:lnTo>
-                    <a:pt x="1373673" y="6327885"/>
-                  </a:lnTo>
-                  <a:cubicBezTo>
-                    <a:pt x="1409566" y="6372433"/>
-                    <a:pt x="1446738" y="6418542"/>
-                    <a:pt x="1484619" y="6462240"/>
-                  </a:cubicBezTo>
-                  <a:cubicBezTo>
-                    <a:pt x="1567899" y="6559850"/>
-                    <a:pt x="1653876" y="6652211"/>
-                    <a:pt x="1739000" y="6737335"/>
-                  </a:cubicBezTo>
-                  <a:lnTo>
-                    <a:pt x="1866801" y="6858001"/>
-                  </a:lnTo>
-                  <a:lnTo>
-                    <a:pt x="1144149" y="6858001"/>
-                  </a:lnTo>
-                  <a:lnTo>
-                    <a:pt x="1058349" y="6766452"/>
-                  </a:lnTo>
-                  <a:cubicBezTo>
-                    <a:pt x="878978" y="6562465"/>
-                    <a:pt x="718756" y="6341104"/>
-                    <a:pt x="580309" y="6105000"/>
-                  </a:cubicBezTo>
-                  <a:cubicBezTo>
-                    <a:pt x="200401" y="5454007"/>
-                    <a:pt x="146" y="4713831"/>
-                    <a:pt x="1" y="3960094"/>
-                  </a:cubicBezTo>
-                  <a:cubicBezTo>
-                    <a:pt x="-335" y="2196754"/>
-                    <a:pt x="1071479" y="683605"/>
-                    <a:pt x="2599292" y="37050"/>
-                  </a:cubicBezTo>
-                  <a:close/>
-                </a:path>
-              </a:pathLst>
-            </a:custGeom>
-            <a:gradFill>
-              <a:gsLst>
-                <a:gs pos="0">
-                  <a:srgbClr val="FFFFFF">
-                    <a:alpha val="8235"/>
-                  </a:srgbClr>
-                </a:gs>
-                <a:gs pos="2000">
-                  <a:srgbClr val="FFFFFF">
-                    <a:alpha val="8235"/>
-                  </a:srgbClr>
-                </a:gs>
-                <a:gs pos="16000">
-                  <a:srgbClr val="4EA72E">
-                    <a:alpha val="8235"/>
-                  </a:srgbClr>
-                </a:gs>
-                <a:gs pos="85000">
-                  <a:srgbClr val="156082">
-                    <a:alpha val="8235"/>
-                  </a:srgbClr>
-                </a:gs>
-                <a:gs pos="100000">
-                  <a:srgbClr val="FFFFFF">
-                    <a:alpha val="8235"/>
-                  </a:srgbClr>
-                </a:gs>
-              </a:gsLst>
-              <a:lin ang="12000000" scaled="0"/>
-            </a:gradFill>
-            <a:ln>
-              <a:noFill/>
-            </a:ln>
-          </p:spPr>
-          <p:txBody>
-            <a:bodyPr spcFirstLastPara="1" wrap="square" lIns="91425" tIns="45700" rIns="91425" bIns="45700" anchor="ctr" anchorCtr="0">
-              <a:noAutofit/>
-            </a:bodyPr>
-            <a:lstStyle/>
-            <a:p>
-              <a:pPr marL="0" marR="0" lvl="0" indent="0" algn="ctr" rtl="0">
-                <a:lnSpc>
-                  <a:spcPct val="100000"/>
-                </a:lnSpc>
-                <a:spcBef>
-                  <a:spcPts val="0"/>
-                </a:spcBef>
-                <a:spcAft>
-                  <a:spcPts val="0"/>
-                </a:spcAft>
-                <a:buClr>
-                  <a:srgbClr val="000000"/>
-                </a:buClr>
-                <a:buSzPts val="1800"/>
-                <a:buFont typeface="Arial"/>
-                <a:buNone/>
-              </a:pPr>
-              <a:endParaRPr sz="1800" b="0" i="0" u="none" strike="noStrike" cap="none">
-                <a:solidFill>
-                  <a:schemeClr val="lt1"/>
-                </a:solidFill>
-                <a:latin typeface="Times New Roman"/>
-                <a:ea typeface="Times New Roman"/>
-                <a:cs typeface="Times New Roman"/>
-                <a:sym typeface="Times New Roman"/>
-              </a:endParaRPr>
-            </a:p>
-          </p:txBody>
-        </p:sp>
-        <p:sp>
-          <p:nvSpPr>
-            <p:cNvPr id="92" name="Google Shape;92;p1"/>
-            <p:cNvSpPr/>
-            <p:nvPr/>
-          </p:nvSpPr>
-          <p:spPr>
-            <a:xfrm flipH="1">
-              <a:off x="305" y="-5977"/>
-              <a:ext cx="6238675" cy="6858001"/>
-            </a:xfrm>
-            <a:custGeom>
-              <a:avLst/>
-              <a:gdLst/>
-              <a:ahLst/>
-              <a:cxnLst/>
-              <a:rect l="l" t="t" r="r" b="b"/>
-              <a:pathLst>
-                <a:path w="6264586" h="6858001" extrusionOk="0">
-                  <a:moveTo>
-                    <a:pt x="6264586" y="6646464"/>
-                  </a:moveTo>
-                  <a:lnTo>
-                    <a:pt x="6264586" y="6858001"/>
-                  </a:lnTo>
-                  <a:lnTo>
-                    <a:pt x="5997170" y="6858001"/>
-                  </a:lnTo>
-                  <a:lnTo>
-                    <a:pt x="6121512" y="6761029"/>
-                  </a:lnTo>
-                  <a:close/>
-                  <a:moveTo>
-                    <a:pt x="2693206" y="0"/>
-                  </a:moveTo>
-                  <a:lnTo>
-                    <a:pt x="5872285" y="0"/>
-                  </a:lnTo>
-                  <a:lnTo>
-                    <a:pt x="6024875" y="68385"/>
-                  </a:lnTo>
-                  <a:cubicBezTo>
-                    <a:pt x="6086250" y="97989"/>
-                    <a:pt x="6146793" y="129318"/>
-                    <a:pt x="6206432" y="162336"/>
-                  </a:cubicBezTo>
-                  <a:lnTo>
-                    <a:pt x="6264586" y="196704"/>
-                  </a:lnTo>
-                  <a:lnTo>
-                    <a:pt x="6264586" y="537242"/>
-                  </a:lnTo>
-                  <a:lnTo>
-                    <a:pt x="6230189" y="517260"/>
-                  </a:lnTo>
-                  <a:cubicBezTo>
-                    <a:pt x="6012226" y="399931"/>
-                    <a:pt x="5780573" y="310008"/>
-                    <a:pt x="5540536" y="249543"/>
-                  </a:cubicBezTo>
-                  <a:cubicBezTo>
-                    <a:pt x="5421375" y="219324"/>
-                    <a:pt x="5300641" y="195644"/>
-                    <a:pt x="5178896" y="178606"/>
-                  </a:cubicBezTo>
-                  <a:cubicBezTo>
-                    <a:pt x="5057977" y="161840"/>
-                    <a:pt x="4936276" y="151186"/>
-                    <a:pt x="4814279" y="146683"/>
-                  </a:cubicBezTo>
-                  <a:cubicBezTo>
-                    <a:pt x="4761501" y="144556"/>
-                    <a:pt x="4708015" y="143421"/>
-                    <a:pt x="4655095" y="143421"/>
-                  </a:cubicBezTo>
-                  <a:cubicBezTo>
-                    <a:pt x="4462968" y="143573"/>
-                    <a:pt x="4271111" y="157799"/>
-                    <a:pt x="4081069" y="185983"/>
-                  </a:cubicBezTo>
-                  <a:cubicBezTo>
-                    <a:pt x="3956361" y="205703"/>
-                    <a:pt x="3835058" y="229396"/>
-                    <a:pt x="3720566" y="256921"/>
-                  </a:cubicBezTo>
-                  <a:cubicBezTo>
-                    <a:pt x="3596708" y="286714"/>
-                    <a:pt x="3477677" y="320905"/>
-                    <a:pt x="3365879" y="357651"/>
-                  </a:cubicBezTo>
-                  <a:cubicBezTo>
-                    <a:pt x="3249257" y="395958"/>
-                    <a:pt x="3133487" y="438945"/>
-                    <a:pt x="3020555" y="486190"/>
-                  </a:cubicBezTo>
-                  <a:cubicBezTo>
-                    <a:pt x="2907623" y="533434"/>
-                    <a:pt x="2794832" y="585786"/>
-                    <a:pt x="2685163" y="641542"/>
-                  </a:cubicBezTo>
-                  <a:cubicBezTo>
-                    <a:pt x="2463995" y="754348"/>
-                    <a:pt x="2250998" y="882488"/>
-                    <a:pt x="2047720" y="1025030"/>
-                  </a:cubicBezTo>
-                  <a:cubicBezTo>
-                    <a:pt x="2006151" y="1054399"/>
-                    <a:pt x="1951528" y="1093415"/>
-                    <a:pt x="1897333" y="1134983"/>
-                  </a:cubicBezTo>
-                  <a:cubicBezTo>
-                    <a:pt x="1876761" y="1150164"/>
-                    <a:pt x="1855905" y="1166479"/>
-                    <a:pt x="1835758" y="1182227"/>
-                  </a:cubicBezTo>
-                  <a:lnTo>
-                    <a:pt x="1823273" y="1192016"/>
-                  </a:lnTo>
-                  <a:cubicBezTo>
-                    <a:pt x="1797027" y="1211879"/>
-                    <a:pt x="1772057" y="1232309"/>
-                    <a:pt x="1750918" y="1249760"/>
-                  </a:cubicBezTo>
-                  <a:cubicBezTo>
-                    <a:pt x="1645931" y="1335737"/>
-                    <a:pt x="1554422" y="1416605"/>
-                    <a:pt x="1469297" y="1496906"/>
-                  </a:cubicBezTo>
-                  <a:cubicBezTo>
-                    <a:pt x="1286595" y="1668957"/>
-                    <a:pt x="1118818" y="1856190"/>
-                    <a:pt x="967769" y="2056602"/>
-                  </a:cubicBezTo>
-                  <a:cubicBezTo>
-                    <a:pt x="890731" y="2159603"/>
-                    <a:pt x="818800" y="2264590"/>
-                    <a:pt x="754105" y="2368727"/>
-                  </a:cubicBezTo>
-                  <a:cubicBezTo>
-                    <a:pt x="681749" y="2488328"/>
-                    <a:pt x="622304" y="2596720"/>
-                    <a:pt x="572364" y="2701140"/>
-                  </a:cubicBezTo>
-                  <a:cubicBezTo>
-                    <a:pt x="557609" y="2730507"/>
-                    <a:pt x="543989" y="2760443"/>
-                    <a:pt x="532497" y="2786265"/>
-                  </a:cubicBezTo>
-                  <a:lnTo>
-                    <a:pt x="512918" y="2828827"/>
-                  </a:lnTo>
-                  <a:lnTo>
-                    <a:pt x="494475" y="2872240"/>
-                  </a:lnTo>
-                  <a:lnTo>
-                    <a:pt x="491637" y="2878908"/>
-                  </a:lnTo>
-                  <a:cubicBezTo>
-                    <a:pt x="480146" y="2906575"/>
-                    <a:pt x="469220" y="2932821"/>
-                    <a:pt x="459290" y="2959635"/>
-                  </a:cubicBezTo>
-                  <a:cubicBezTo>
-                    <a:pt x="455176" y="2970559"/>
-                    <a:pt x="451060" y="2981484"/>
-                    <a:pt x="446805" y="2992408"/>
-                  </a:cubicBezTo>
-                  <a:cubicBezTo>
-                    <a:pt x="439427" y="3012412"/>
-                    <a:pt x="432333" y="3030572"/>
-                    <a:pt x="426090" y="3049158"/>
-                  </a:cubicBezTo>
-                  <a:lnTo>
-                    <a:pt x="426090" y="3049867"/>
-                  </a:lnTo>
-                  <a:cubicBezTo>
-                    <a:pt x="383010" y="3169099"/>
-                    <a:pt x="346959" y="3290756"/>
-                    <a:pt x="318124" y="3414202"/>
-                  </a:cubicBezTo>
-                  <a:cubicBezTo>
-                    <a:pt x="260107" y="3661703"/>
-                    <a:pt x="230780" y="3915049"/>
-                    <a:pt x="230729" y="4169260"/>
-                  </a:cubicBezTo>
-                  <a:cubicBezTo>
-                    <a:pt x="231621" y="4295173"/>
-                    <a:pt x="244398" y="4420719"/>
-                    <a:pt x="268893" y="4544236"/>
-                  </a:cubicBezTo>
-                  <a:cubicBezTo>
-                    <a:pt x="293708" y="4666304"/>
-                    <a:pt x="330882" y="4785521"/>
-                    <a:pt x="379840" y="4900056"/>
-                  </a:cubicBezTo>
-                  <a:cubicBezTo>
-                    <a:pt x="387926" y="4919919"/>
-                    <a:pt x="397006" y="4939498"/>
-                    <a:pt x="406512" y="4960211"/>
-                  </a:cubicBezTo>
-                  <a:cubicBezTo>
-                    <a:pt x="410343" y="4968299"/>
-                    <a:pt x="414173" y="4976385"/>
-                    <a:pt x="417862" y="4984613"/>
-                  </a:cubicBezTo>
-                  <a:lnTo>
-                    <a:pt x="428077" y="5005043"/>
-                  </a:lnTo>
-                  <a:cubicBezTo>
-                    <a:pt x="438860" y="5026751"/>
-                    <a:pt x="449075" y="5047181"/>
-                    <a:pt x="460140" y="5067327"/>
-                  </a:cubicBezTo>
-                  <a:cubicBezTo>
-                    <a:pt x="485536" y="5116273"/>
-                    <a:pt x="514763" y="5165789"/>
-                    <a:pt x="555197" y="5229773"/>
-                  </a:cubicBezTo>
-                  <a:cubicBezTo>
-                    <a:pt x="586836" y="5280282"/>
-                    <a:pt x="620318" y="5329511"/>
-                    <a:pt x="660611" y="5387396"/>
-                  </a:cubicBezTo>
-                  <a:cubicBezTo>
-                    <a:pt x="698065" y="5440741"/>
-                    <a:pt x="737223" y="5493094"/>
-                    <a:pt x="774110" y="5542182"/>
-                  </a:cubicBezTo>
-                  <a:cubicBezTo>
-                    <a:pt x="821070" y="5604324"/>
-                    <a:pt x="870301" y="5667173"/>
-                    <a:pt x="917829" y="5727896"/>
-                  </a:cubicBezTo>
-                  <a:cubicBezTo>
-                    <a:pt x="949042" y="5767762"/>
-                    <a:pt x="979828" y="5807063"/>
-                    <a:pt x="1012885" y="5849767"/>
-                  </a:cubicBezTo>
-                  <a:cubicBezTo>
-                    <a:pt x="1045942" y="5892471"/>
-                    <a:pt x="1089497" y="5948796"/>
-                    <a:pt x="1133053" y="6006822"/>
-                  </a:cubicBezTo>
-                  <a:cubicBezTo>
-                    <a:pt x="1153624" y="6034345"/>
-                    <a:pt x="1175332" y="6063998"/>
-                    <a:pt x="1194343" y="6090245"/>
-                  </a:cubicBezTo>
-                  <a:cubicBezTo>
-                    <a:pt x="1213355" y="6116491"/>
-                    <a:pt x="1231372" y="6141178"/>
-                    <a:pt x="1249390" y="6165155"/>
-                  </a:cubicBezTo>
-                  <a:cubicBezTo>
-                    <a:pt x="1280461" y="6208000"/>
-                    <a:pt x="1313659" y="6250847"/>
-                    <a:pt x="1345724" y="6292132"/>
-                  </a:cubicBezTo>
-                  <a:lnTo>
-                    <a:pt x="1364310" y="6316251"/>
-                  </a:lnTo>
-                  <a:lnTo>
-                    <a:pt x="1373673" y="6327885"/>
-                  </a:lnTo>
-                  <a:cubicBezTo>
-                    <a:pt x="1409566" y="6372433"/>
-                    <a:pt x="1446738" y="6418542"/>
-                    <a:pt x="1484619" y="6462240"/>
-                  </a:cubicBezTo>
-                  <a:cubicBezTo>
-                    <a:pt x="1567899" y="6559850"/>
-                    <a:pt x="1653876" y="6652211"/>
-                    <a:pt x="1739000" y="6737335"/>
-                  </a:cubicBezTo>
-                  <a:lnTo>
-                    <a:pt x="1866801" y="6858001"/>
-                  </a:lnTo>
-                  <a:lnTo>
-                    <a:pt x="1144149" y="6858001"/>
-                  </a:lnTo>
-                  <a:lnTo>
-                    <a:pt x="1058349" y="6766452"/>
-                  </a:lnTo>
-                  <a:cubicBezTo>
-                    <a:pt x="878978" y="6562465"/>
-                    <a:pt x="718756" y="6341104"/>
-                    <a:pt x="580309" y="6105000"/>
-                  </a:cubicBezTo>
-                  <a:cubicBezTo>
-                    <a:pt x="200401" y="5454007"/>
-                    <a:pt x="146" y="4713831"/>
-                    <a:pt x="1" y="3960094"/>
-                  </a:cubicBezTo>
-                  <a:cubicBezTo>
-                    <a:pt x="-335" y="2196754"/>
-                    <a:pt x="1071479" y="683605"/>
-                    <a:pt x="2599292" y="37050"/>
-                  </a:cubicBezTo>
-                  <a:close/>
-                </a:path>
-              </a:pathLst>
-            </a:custGeom>
-            <a:gradFill>
-              <a:gsLst>
-                <a:gs pos="0">
-                  <a:srgbClr val="FFFFFF">
-                    <a:alpha val="8235"/>
-                  </a:srgbClr>
-                </a:gs>
-                <a:gs pos="2000">
-                  <a:srgbClr val="FFFFFF">
-                    <a:alpha val="8235"/>
-                  </a:srgbClr>
-                </a:gs>
-                <a:gs pos="16000">
-                  <a:srgbClr val="4EA72E">
-                    <a:alpha val="8235"/>
-                  </a:srgbClr>
-                </a:gs>
-                <a:gs pos="85000">
-                  <a:srgbClr val="156082">
-                    <a:alpha val="8235"/>
-                  </a:srgbClr>
-                </a:gs>
-                <a:gs pos="100000">
-                  <a:srgbClr val="FFFFFF">
-                    <a:alpha val="8235"/>
-                  </a:srgbClr>
-                </a:gs>
-              </a:gsLst>
-              <a:lin ang="12000000" scaled="0"/>
-            </a:gradFill>
-            <a:ln>
-              <a:noFill/>
-            </a:ln>
-          </p:spPr>
-          <p:txBody>
-            <a:bodyPr spcFirstLastPara="1" wrap="square" lIns="91425" tIns="45700" rIns="91425" bIns="45700" anchor="ctr" anchorCtr="0">
-              <a:noAutofit/>
-            </a:bodyPr>
-            <a:lstStyle/>
-            <a:p>
-              <a:pPr marL="0" marR="0" lvl="0" indent="0" algn="ctr" rtl="0">
-                <a:lnSpc>
-                  <a:spcPct val="100000"/>
-                </a:lnSpc>
-                <a:spcBef>
-                  <a:spcPts val="0"/>
-                </a:spcBef>
-                <a:spcAft>
-                  <a:spcPts val="0"/>
-                </a:spcAft>
-                <a:buClr>
-                  <a:srgbClr val="000000"/>
-                </a:buClr>
-                <a:buSzPts val="1800"/>
-                <a:buFont typeface="Arial"/>
-                <a:buNone/>
-              </a:pPr>
-              <a:endParaRPr sz="1800" b="0" i="0" u="none" strike="noStrike" cap="none">
-                <a:solidFill>
-                  <a:schemeClr val="lt1"/>
-                </a:solidFill>
-                <a:latin typeface="Times New Roman"/>
-                <a:ea typeface="Times New Roman"/>
-                <a:cs typeface="Times New Roman"/>
-                <a:sym typeface="Times New Roman"/>
-              </a:endParaRPr>
-            </a:p>
-          </p:txBody>
-        </p:sp>
-      </p:grpSp>
       <p:pic>
         <p:nvPicPr>
-          <p:cNvPr id="1028" name="Picture 4" descr="Map Of United States Of America Through Magnifying Glass Stock Photo,  Picture and Royalty Free Image. Image 57266086.">
+          <p:cNvPr id="9" name="Google Shape;88;p1" descr="House">
             <a:extLst>
               <a:ext uri="{FF2B5EF4-FFF2-40B4-BE49-F238E27FC236}">
-                <a16:creationId xmlns:a16="http://schemas.microsoft.com/office/drawing/2014/main" id="{449D9E00-CFFF-ECA2-DE10-EBF86C43E278}"/>
+                <a16:creationId xmlns:a16="http://schemas.microsoft.com/office/drawing/2014/main" id="{5CB4A416-1AAE-8C6E-3F54-EB3A998FDB89}"/>
               </a:ext>
             </a:extLst>
           </p:cNvPr>
-          <p:cNvPicPr>
-            <a:picLocks noChangeAspect="1" noChangeArrowheads="1"/>
-          </p:cNvPicPr>
+          <p:cNvPicPr preferRelativeResize="0"/>
           <p:nvPr/>
         </p:nvPicPr>
-        <p:blipFill>
+        <p:blipFill rotWithShape="1">
           <a:blip r:embed="rId3">
-            <a:extLst>
-              <a:ext uri="{28A0092B-C50C-407E-A947-70E740481C1C}">
-                <a14:useLocalDpi xmlns:a14="http://schemas.microsoft.com/office/drawing/2010/main" val="0"/>
-              </a:ext>
-            </a:extLst>
+            <a:alphaModFix/>
           </a:blip>
           <a:srcRect/>
-          <a:stretch>
-            <a:fillRect/>
-          </a:stretch>
+          <a:stretch/>
         </p:blipFill>
-        <p:spPr bwMode="auto">
+        <p:spPr>
           <a:xfrm>
-            <a:off x="11859" y="82858"/>
-            <a:ext cx="12191695" cy="7435121"/>
+            <a:off x="340470" y="1815320"/>
+            <a:ext cx="4141760" cy="4141760"/>
           </a:xfrm>
-          <a:prstGeom prst="rect">
+          <a:custGeom>
             <a:avLst/>
-          </a:prstGeom>
-          <a:blipFill dpi="0" rotWithShape="1">
-            <a:blip r:embed="rId4">
-              <a:alphaModFix amt="0"/>
-            </a:blip>
-            <a:srcRect/>
-            <a:tile tx="0" ty="0" sx="100000" sy="100000" flip="none" algn="tl"/>
-          </a:blipFill>
+            <a:gdLst/>
+            <a:ahLst/>
+            <a:cxnLst/>
+            <a:rect l="l" t="t" r="r" b="b"/>
+            <a:pathLst>
+              <a:path w="4141760" h="4377846" extrusionOk="0">
+                <a:moveTo>
+                  <a:pt x="0" y="0"/>
+                </a:moveTo>
+                <a:lnTo>
+                  <a:pt x="4141760" y="0"/>
+                </a:lnTo>
+                <a:lnTo>
+                  <a:pt x="4141760" y="4377846"/>
+                </a:lnTo>
+                <a:lnTo>
+                  <a:pt x="0" y="4377846"/>
+                </a:lnTo>
+                <a:close/>
+              </a:path>
+            </a:pathLst>
+          </a:custGeom>
+          <a:noFill/>
+          <a:ln>
+            <a:noFill/>
+          </a:ln>
         </p:spPr>
       </p:pic>
-      <p:sp>
-        <p:nvSpPr>
-          <p:cNvPr id="5" name="TextBox 4">
-            <a:extLst>
-              <a:ext uri="{FF2B5EF4-FFF2-40B4-BE49-F238E27FC236}">
-                <a16:creationId xmlns:a16="http://schemas.microsoft.com/office/drawing/2014/main" id="{CA63C4FC-3385-B532-3484-696EBE4B64F4}"/>
-              </a:ext>
-            </a:extLst>
-          </p:cNvPr>
-          <p:cNvSpPr txBox="1"/>
-          <p:nvPr/>
-        </p:nvSpPr>
-        <p:spPr>
-          <a:xfrm>
-            <a:off x="154757" y="28876"/>
-            <a:ext cx="12191695" cy="1200329"/>
-          </a:xfrm>
-          <a:prstGeom prst="rect">
-            <a:avLst/>
-          </a:prstGeom>
-          <a:noFill/>
-        </p:spPr>
-        <p:txBody>
-          <a:bodyPr wrap="square">
-            <a:spAutoFit/>
-          </a:bodyPr>
-          <a:lstStyle/>
-          <a:p>
-            <a:pPr marL="0" lvl="0" indent="0" algn="l" rtl="0">
-              <a:lnSpc>
-                <a:spcPct val="90000"/>
-              </a:lnSpc>
-              <a:spcBef>
-                <a:spcPts val="0"/>
-              </a:spcBef>
-              <a:spcAft>
-                <a:spcPts val="0"/>
-              </a:spcAft>
-              <a:buClr>
-                <a:schemeClr val="dk2"/>
-              </a:buClr>
-              <a:buSzPts val="4000"/>
-              <a:buNone/>
-            </a:pPr>
-            <a:r>
-              <a:rPr lang="en-US" sz="4000" b="1" dirty="0">
-                <a:solidFill>
-                  <a:schemeClr val="dk2"/>
-                </a:solidFill>
-                <a:latin typeface="Times New Roman"/>
-                <a:ea typeface="Times New Roman"/>
-                <a:cs typeface="Times New Roman"/>
-                <a:sym typeface="Times New Roman"/>
-              </a:rPr>
-              <a:t>Predicting Housing Market Trends: A Data-Driven Approach to Price Forecasting</a:t>
-            </a:r>
-          </a:p>
-        </p:txBody>
-      </p:sp>
-      <p:sp>
-        <p:nvSpPr>
-          <p:cNvPr id="7" name="TextBox 6">
-            <a:extLst>
-              <a:ext uri="{FF2B5EF4-FFF2-40B4-BE49-F238E27FC236}">
-                <a16:creationId xmlns:a16="http://schemas.microsoft.com/office/drawing/2014/main" id="{C722912E-3565-8C3B-6E43-F7BB3DDC6F5B}"/>
-              </a:ext>
-            </a:extLst>
-          </p:cNvPr>
-          <p:cNvSpPr txBox="1"/>
-          <p:nvPr/>
-        </p:nvSpPr>
-        <p:spPr>
-          <a:xfrm>
-            <a:off x="7093343" y="5433663"/>
-            <a:ext cx="8124668" cy="1631216"/>
-          </a:xfrm>
-          <a:prstGeom prst="rect">
-            <a:avLst/>
-          </a:prstGeom>
-          <a:noFill/>
-        </p:spPr>
-        <p:txBody>
-          <a:bodyPr wrap="square">
-            <a:spAutoFit/>
-          </a:bodyPr>
-          <a:lstStyle/>
-          <a:p>
-            <a:r>
-              <a:rPr lang="en-US" sz="2000" dirty="0">
-                <a:latin typeface="Times New Roman"/>
-                <a:ea typeface="Times New Roman"/>
-                <a:cs typeface="Times New Roman"/>
-                <a:sym typeface="Times New Roman"/>
-              </a:rPr>
-              <a:t>Presented By :-</a:t>
-            </a:r>
-            <a:br>
-              <a:rPr lang="en-US" sz="2000" dirty="0">
-                <a:latin typeface="Times New Roman"/>
-                <a:ea typeface="Times New Roman"/>
-                <a:cs typeface="Times New Roman"/>
-                <a:sym typeface="Times New Roman"/>
-              </a:rPr>
-            </a:br>
-            <a:r>
-              <a:rPr lang="en-US" sz="2000" dirty="0">
-                <a:latin typeface="Times New Roman"/>
-                <a:ea typeface="Times New Roman"/>
-                <a:cs typeface="Times New Roman"/>
-                <a:sym typeface="Times New Roman"/>
-              </a:rPr>
-              <a:t>	Amarnath Kommineni</a:t>
-            </a:r>
-            <a:br>
-              <a:rPr lang="en-US" sz="2000" dirty="0">
-                <a:latin typeface="Times New Roman"/>
-                <a:ea typeface="Times New Roman"/>
-                <a:cs typeface="Times New Roman"/>
-                <a:sym typeface="Times New Roman"/>
-              </a:rPr>
-            </a:br>
-            <a:r>
-              <a:rPr lang="en-US" sz="2000" dirty="0">
-                <a:latin typeface="Times New Roman"/>
-                <a:ea typeface="Times New Roman"/>
-                <a:cs typeface="Times New Roman"/>
-                <a:sym typeface="Times New Roman"/>
-              </a:rPr>
-              <a:t>	Kavya Gurram</a:t>
-            </a:r>
-            <a:br>
-              <a:rPr lang="en-US" sz="2000" dirty="0">
-                <a:latin typeface="Times New Roman"/>
-                <a:ea typeface="Times New Roman"/>
-                <a:cs typeface="Times New Roman"/>
-                <a:sym typeface="Times New Roman"/>
-              </a:rPr>
-            </a:br>
-            <a:r>
-              <a:rPr lang="en-US" sz="2000" dirty="0">
-                <a:latin typeface="Times New Roman"/>
-                <a:ea typeface="Times New Roman"/>
-                <a:cs typeface="Times New Roman"/>
-                <a:sym typeface="Times New Roman"/>
-              </a:rPr>
-              <a:t>	Sandeep </a:t>
-            </a:r>
-            <a:r>
-              <a:rPr lang="en-US" sz="2000" dirty="0" err="1">
-                <a:latin typeface="Times New Roman"/>
-                <a:ea typeface="Times New Roman"/>
-                <a:cs typeface="Times New Roman"/>
-                <a:sym typeface="Times New Roman"/>
-              </a:rPr>
-              <a:t>Borwal</a:t>
-            </a:r>
-            <a:br>
-              <a:rPr lang="en-US" sz="2000" dirty="0">
-                <a:latin typeface="Times New Roman"/>
-                <a:ea typeface="Times New Roman"/>
-                <a:cs typeface="Times New Roman"/>
-                <a:sym typeface="Times New Roman"/>
-              </a:rPr>
-            </a:br>
-            <a:r>
-              <a:rPr lang="en-US" sz="2000" dirty="0">
-                <a:latin typeface="Times New Roman"/>
-                <a:ea typeface="Times New Roman"/>
-                <a:cs typeface="Times New Roman"/>
-                <a:sym typeface="Times New Roman"/>
-              </a:rPr>
-              <a:t>	Vikas Kumar Reddy Buchammagari</a:t>
-            </a:r>
-            <a:endParaRPr lang="en-US" sz="2000" dirty="0"/>
-          </a:p>
-        </p:txBody>
-      </p:sp>
     </p:spTree>
   </p:cSld>
   <p:clrMapOvr>
@@ -18953,7 +17832,7 @@
                                           </p:stCondLst>
                                         </p:cTn>
                                         <p:tgtEl>
-                                          <p:spTgt spid="86"/>
+                                          <p:spTgt spid="6"/>
                                         </p:tgtEl>
                                         <p:attrNameLst>
                                           <p:attrName>style.visibility</p:attrName>
@@ -18967,7 +17846,7 @@
                                       <p:cBhvr>
                                         <p:cTn id="7" dur="400"/>
                                         <p:tgtEl>
-                                          <p:spTgt spid="86"/>
+                                          <p:spTgt spid="6"/>
                                         </p:tgtEl>
                                       </p:cBhvr>
                                     </p:animEffect>
@@ -18977,7 +17856,7 @@
                               <p:par>
                                 <p:cTn id="8" presetID="10" presetClass="entr" presetSubtype="0" fill="hold" nodeType="withEffect">
                                   <p:stCondLst>
-                                    <p:cond delay="1000"/>
+                                    <p:cond delay="500"/>
                                   </p:stCondLst>
                                   <p:childTnLst>
                                     <p:set>
@@ -18988,7 +17867,7 @@
                                           </p:stCondLst>
                                         </p:cTn>
                                         <p:tgtEl>
-                                          <p:spTgt spid="86"/>
+                                          <p:spTgt spid="9"/>
                                         </p:tgtEl>
                                         <p:attrNameLst>
                                           <p:attrName>style.visibility</p:attrName>
@@ -19000,9 +17879,9 @@
                                     </p:set>
                                     <p:animEffect transition="in" filter="fade">
                                       <p:cBhvr>
-                                        <p:cTn id="10" dur="400"/>
+                                        <p:cTn id="10" dur="700"/>
                                         <p:tgtEl>
-                                          <p:spTgt spid="86"/>
+                                          <p:spTgt spid="9"/>
                                         </p:tgtEl>
                                       </p:cBhvr>
                                     </p:animEffect>
@@ -23862,18 +22741,16 @@
               <a:buNone/>
             </a:pPr>
             <a:r>
-              <a:rPr lang="en-US" sz="2000" b="1" dirty="0">
-                <a:latin typeface="Times New Roman"/>
-                <a:ea typeface="Times New Roman"/>
-                <a:cs typeface="Times New Roman"/>
-                <a:sym typeface="Times New Roman"/>
+              <a:rPr lang="en-US" dirty="0">
+                <a:latin typeface="Times New Roman" panose="02020603050405020304" pitchFamily="18" charset="0"/>
+                <a:cs typeface="Times New Roman" panose="02020603050405020304" pitchFamily="18" charset="0"/>
               </a:rPr>
-              <a:t>Where are we?</a:t>
+              <a:t>Machine Learning Workflow: Current Stage</a:t>
             </a:r>
-            <a:endParaRPr lang="en-US" sz="2000" dirty="0">
-              <a:latin typeface="Times New Roman"/>
+            <a:endParaRPr lang="en-US" dirty="0">
+              <a:latin typeface="Times New Roman" panose="02020603050405020304" pitchFamily="18" charset="0"/>
               <a:ea typeface="Times New Roman"/>
-              <a:cs typeface="Times New Roman"/>
+              <a:cs typeface="Times New Roman" panose="02020603050405020304" pitchFamily="18" charset="0"/>
               <a:sym typeface="Times New Roman"/>
             </a:endParaRPr>
           </a:p>
